--- a/Documentacion/Menürendzser.pptx
+++ b/Documentacion/Menürendzser.pptx
@@ -5,12 +5,11 @@
     <p:sldMasterId id="2147483660" r:id="rId1"/>
   </p:sldMasterIdLst>
   <p:notesMasterIdLst>
-    <p:notesMasterId r:id="rId5"/>
+    <p:notesMasterId r:id="rId4"/>
   </p:notesMasterIdLst>
   <p:sldIdLst>
     <p:sldId id="256" r:id="rId2"/>
-    <p:sldId id="257" r:id="rId3"/>
-    <p:sldId id="258" r:id="rId4"/>
+    <p:sldId id="258" r:id="rId3"/>
   </p:sldIdLst>
   <p:sldSz cx="21599525" cy="10799763"/>
   <p:notesSz cx="6858000" cy="9144000"/>
@@ -205,7 +204,7 @@
           <a:p>
             <a:fld id="{193803CC-52A5-4DA1-9F4B-57CDCA878970}" type="datetimeFigureOut">
               <a:rPr lang="hu-HU" smtClean="0"/>
-              <a:t>2024. 06. 29.</a:t>
+              <a:t>2024. 07. 04.</a:t>
             </a:fld>
             <a:endParaRPr lang="hu-HU"/>
           </a:p>
@@ -537,7 +536,7 @@
           <a:p>
             <a:fld id="{10ED1341-DF43-48A0-9191-27E92A88F17D}" type="slidenum">
               <a:rPr lang="hu-HU" smtClean="0"/>
-              <a:t>3</a:t>
+              <a:t>2</a:t>
             </a:fld>
             <a:endParaRPr lang="hu-HU"/>
           </a:p>
@@ -687,7 +686,7 @@
           <a:p>
             <a:fld id="{7520FE40-B5E6-4F63-9BAB-DDB3402A48E9}" type="datetimeFigureOut">
               <a:rPr lang="hu-HU" smtClean="0"/>
-              <a:t>2024. 06. 29.</a:t>
+              <a:t>2024. 07. 04.</a:t>
             </a:fld>
             <a:endParaRPr lang="hu-HU"/>
           </a:p>
@@ -857,7 +856,7 @@
           <a:p>
             <a:fld id="{7520FE40-B5E6-4F63-9BAB-DDB3402A48E9}" type="datetimeFigureOut">
               <a:rPr lang="hu-HU" smtClean="0"/>
-              <a:t>2024. 06. 29.</a:t>
+              <a:t>2024. 07. 04.</a:t>
             </a:fld>
             <a:endParaRPr lang="hu-HU"/>
           </a:p>
@@ -1037,7 +1036,7 @@
           <a:p>
             <a:fld id="{7520FE40-B5E6-4F63-9BAB-DDB3402A48E9}" type="datetimeFigureOut">
               <a:rPr lang="hu-HU" smtClean="0"/>
-              <a:t>2024. 06. 29.</a:t>
+              <a:t>2024. 07. 04.</a:t>
             </a:fld>
             <a:endParaRPr lang="hu-HU"/>
           </a:p>
@@ -1207,7 +1206,7 @@
           <a:p>
             <a:fld id="{7520FE40-B5E6-4F63-9BAB-DDB3402A48E9}" type="datetimeFigureOut">
               <a:rPr lang="hu-HU" smtClean="0"/>
-              <a:t>2024. 06. 29.</a:t>
+              <a:t>2024. 07. 04.</a:t>
             </a:fld>
             <a:endParaRPr lang="hu-HU"/>
           </a:p>
@@ -1453,7 +1452,7 @@
           <a:p>
             <a:fld id="{7520FE40-B5E6-4F63-9BAB-DDB3402A48E9}" type="datetimeFigureOut">
               <a:rPr lang="hu-HU" smtClean="0"/>
-              <a:t>2024. 06. 29.</a:t>
+              <a:t>2024. 07. 04.</a:t>
             </a:fld>
             <a:endParaRPr lang="hu-HU"/>
           </a:p>
@@ -1685,7 +1684,7 @@
           <a:p>
             <a:fld id="{7520FE40-B5E6-4F63-9BAB-DDB3402A48E9}" type="datetimeFigureOut">
               <a:rPr lang="hu-HU" smtClean="0"/>
-              <a:t>2024. 06. 29.</a:t>
+              <a:t>2024. 07. 04.</a:t>
             </a:fld>
             <a:endParaRPr lang="hu-HU"/>
           </a:p>
@@ -2052,7 +2051,7 @@
           <a:p>
             <a:fld id="{7520FE40-B5E6-4F63-9BAB-DDB3402A48E9}" type="datetimeFigureOut">
               <a:rPr lang="hu-HU" smtClean="0"/>
-              <a:t>2024. 06. 29.</a:t>
+              <a:t>2024. 07. 04.</a:t>
             </a:fld>
             <a:endParaRPr lang="hu-HU"/>
           </a:p>
@@ -2170,7 +2169,7 @@
           <a:p>
             <a:fld id="{7520FE40-B5E6-4F63-9BAB-DDB3402A48E9}" type="datetimeFigureOut">
               <a:rPr lang="hu-HU" smtClean="0"/>
-              <a:t>2024. 06. 29.</a:t>
+              <a:t>2024. 07. 04.</a:t>
             </a:fld>
             <a:endParaRPr lang="hu-HU"/>
           </a:p>
@@ -2265,7 +2264,7 @@
           <a:p>
             <a:fld id="{7520FE40-B5E6-4F63-9BAB-DDB3402A48E9}" type="datetimeFigureOut">
               <a:rPr lang="hu-HU" smtClean="0"/>
-              <a:t>2024. 06. 29.</a:t>
+              <a:t>2024. 07. 04.</a:t>
             </a:fld>
             <a:endParaRPr lang="hu-HU"/>
           </a:p>
@@ -2542,7 +2541,7 @@
           <a:p>
             <a:fld id="{7520FE40-B5E6-4F63-9BAB-DDB3402A48E9}" type="datetimeFigureOut">
               <a:rPr lang="hu-HU" smtClean="0"/>
-              <a:t>2024. 06. 29.</a:t>
+              <a:t>2024. 07. 04.</a:t>
             </a:fld>
             <a:endParaRPr lang="hu-HU"/>
           </a:p>
@@ -2799,7 +2798,7 @@
           <a:p>
             <a:fld id="{7520FE40-B5E6-4F63-9BAB-DDB3402A48E9}" type="datetimeFigureOut">
               <a:rPr lang="hu-HU" smtClean="0"/>
-              <a:t>2024. 06. 29.</a:t>
+              <a:t>2024. 07. 04.</a:t>
             </a:fld>
             <a:endParaRPr lang="hu-HU"/>
           </a:p>
@@ -3012,7 +3011,7 @@
           <a:p>
             <a:fld id="{7520FE40-B5E6-4F63-9BAB-DDB3402A48E9}" type="datetimeFigureOut">
               <a:rPr lang="hu-HU" smtClean="0"/>
-              <a:t>2024. 06. 29.</a:t>
+              <a:t>2024. 07. 04.</a:t>
             </a:fld>
             <a:endParaRPr lang="hu-HU"/>
           </a:p>
@@ -7562,72 +7561,6 @@
           <a:chExt cx="0" cy="0"/>
         </a:xfrm>
       </p:grpSpPr>
-      <p:pic>
-        <p:nvPicPr>
-          <p:cNvPr id="4" name="Kép 3" descr="A képen szöveg, képernyőkép, Téglalap, áramkör látható&#10;&#10;Automatikusan generált leírás">
-            <a:extLst>
-              <a:ext uri="{FF2B5EF4-FFF2-40B4-BE49-F238E27FC236}">
-                <a16:creationId xmlns:a16="http://schemas.microsoft.com/office/drawing/2014/main" id="{6B37A525-32B8-5BBA-4A4B-BCD6D33B7CFA}"/>
-              </a:ext>
-            </a:extLst>
-          </p:cNvPr>
-          <p:cNvPicPr>
-            <a:picLocks noChangeAspect="1"/>
-          </p:cNvPicPr>
-          <p:nvPr/>
-        </p:nvPicPr>
-        <p:blipFill>
-          <a:blip r:embed="rId2">
-            <a:extLst>
-              <a:ext uri="{28A0092B-C50C-407E-A947-70E740481C1C}">
-                <a14:useLocalDpi xmlns:a14="http://schemas.microsoft.com/office/drawing/2010/main" val="0"/>
-              </a:ext>
-            </a:extLst>
-          </a:blip>
-          <a:stretch>
-            <a:fillRect/>
-          </a:stretch>
-        </p:blipFill>
-        <p:spPr>
-          <a:xfrm rot="16200000">
-            <a:off x="5399882" y="-2751530"/>
-            <a:ext cx="10799762" cy="16302822"/>
-          </a:xfrm>
-          <a:prstGeom prst="rect">
-            <a:avLst/>
-          </a:prstGeom>
-        </p:spPr>
-      </p:pic>
-    </p:spTree>
-    <p:extLst>
-      <p:ext uri="{BB962C8B-B14F-4D97-AF65-F5344CB8AC3E}">
-        <p14:creationId xmlns:p14="http://schemas.microsoft.com/office/powerpoint/2010/main" val="1164702274"/>
-      </p:ext>
-    </p:extLst>
-  </p:cSld>
-  <p:clrMapOvr>
-    <a:masterClrMapping/>
-  </p:clrMapOvr>
-</p:sld>
-</file>
-
-<file path=ppt/slides/slide3.xml><?xml version="1.0" encoding="utf-8"?>
-<p:sld xmlns:a="http://schemas.openxmlformats.org/drawingml/2006/main" xmlns:r="http://schemas.openxmlformats.org/officeDocument/2006/relationships" xmlns:p="http://schemas.openxmlformats.org/presentationml/2006/main">
-  <p:cSld>
-    <p:spTree>
-      <p:nvGrpSpPr>
-        <p:cNvPr id="1" name=""/>
-        <p:cNvGrpSpPr/>
-        <p:nvPr/>
-      </p:nvGrpSpPr>
-      <p:grpSpPr>
-        <a:xfrm>
-          <a:off x="0" y="0"/>
-          <a:ext cx="0" cy="0"/>
-          <a:chOff x="0" y="0"/>
-          <a:chExt cx="0" cy="0"/>
-        </a:xfrm>
-      </p:grpSpPr>
       <p:sp>
         <p:nvSpPr>
           <p:cNvPr id="52" name="Felirat: vonal kiemelősávval 51">
@@ -15963,7 +15896,7 @@
           <a:p>
             <a:pPr algn="ctr"/>
             <a:r>
-              <a:rPr lang="hu-HU" sz="800" dirty="0">
+              <a:rPr lang="hu-HU" sz="700" dirty="0">
                 <a:solidFill>
                   <a:schemeClr val="bg1"/>
                 </a:solidFill>
@@ -20532,16 +20465,16 @@
           <p:nvPr/>
         </p:nvSpPr>
         <p:spPr>
-          <a:xfrm>
-            <a:off x="9092170" y="2825492"/>
-            <a:ext cx="655432" cy="451344"/>
+          <a:xfrm rot="5400000">
+            <a:off x="9194214" y="2752427"/>
+            <a:ext cx="451344" cy="596394"/>
           </a:xfrm>
           <a:prstGeom prst="borderCallout1">
             <a:avLst>
               <a:gd name="adj1" fmla="val 48918"/>
               <a:gd name="adj2" fmla="val -96"/>
-              <a:gd name="adj3" fmla="val -67809"/>
-              <a:gd name="adj4" fmla="val -5786"/>
+              <a:gd name="adj3" fmla="val 69542"/>
+              <a:gd name="adj4" fmla="val -73480"/>
             </a:avLst>
           </a:prstGeom>
           <a:noFill/>
@@ -20571,7 +20504,7 @@
           </a:fontRef>
         </p:style>
         <p:txBody>
-          <a:bodyPr lIns="36000" rIns="36000" rtlCol="0" anchor="ctr"/>
+          <a:bodyPr vert="vert270" lIns="36000" rIns="36000" rtlCol="0" anchor="ctr"/>
           <a:lstStyle/>
           <a:p>
             <a:pPr algn="ctr"/>
@@ -22073,16 +22006,16 @@
           <p:nvPr/>
         </p:nvSpPr>
         <p:spPr>
-          <a:xfrm flipH="1">
-            <a:off x="11593500" y="8424180"/>
-            <a:ext cx="1277826" cy="897522"/>
+          <a:xfrm rot="16200000" flipH="1">
+            <a:off x="12404069" y="7738287"/>
+            <a:ext cx="686620" cy="1392374"/>
           </a:xfrm>
           <a:prstGeom prst="borderCallout1">
             <a:avLst>
               <a:gd name="adj1" fmla="val 48918"/>
               <a:gd name="adj2" fmla="val -96"/>
-              <a:gd name="adj3" fmla="val -87837"/>
-              <a:gd name="adj4" fmla="val -9268"/>
+              <a:gd name="adj3" fmla="val 48980"/>
+              <a:gd name="adj4" fmla="val -62908"/>
             </a:avLst>
           </a:prstGeom>
           <a:noFill/>
@@ -22112,7 +22045,7 @@
           </a:fontRef>
         </p:style>
         <p:txBody>
-          <a:bodyPr lIns="36000" rIns="36000" rtlCol="0" anchor="ctr"/>
+          <a:bodyPr vert="vert" lIns="36000" rIns="36000" rtlCol="0" anchor="ctr"/>
           <a:lstStyle/>
           <a:p>
             <a:pPr algn="ctr"/>
